--- a/Final Project Presentation.pptx
+++ b/Final Project Presentation.pptx
@@ -28,6 +28,7 @@
     <p:sldId id="272" r:id="rId23"/>
     <p:sldId id="273" r:id="rId24"/>
     <p:sldId id="274" r:id="rId25"/>
+    <p:sldId id="275" r:id="rId26"/>
   </p:sldIdLst>
   <p:sldSz cy="5143500" cx="9144000"/>
   <p:notesSz cx="6858000" cy="9144000"/>
@@ -908,7 +909,7 @@
   <p:cSld>
     <p:spTree>
       <p:nvGrpSpPr>
-        <p:cNvPr id="276" name="Shape 276"/>
+        <p:cNvPr id="279" name="Shape 279"/>
         <p:cNvGrpSpPr/>
         <p:nvPr/>
       </p:nvGrpSpPr>
@@ -922,7 +923,7 @@
       </p:grpSpPr>
       <p:sp>
         <p:nvSpPr>
-          <p:cNvPr id="277" name="Google Shape;277;g8d25439bbe_3_193:notes"/>
+          <p:cNvPr id="280" name="Google Shape;280;g8d25439bbe_3_193:notes"/>
           <p:cNvSpPr/>
           <p:nvPr>
             <p:ph idx="2" type="sldImg"/>
@@ -957,7 +958,7 @@
       </p:sp>
       <p:sp>
         <p:nvSpPr>
-          <p:cNvPr id="278" name="Google Shape;278;g8d25439bbe_3_193:notes"/>
+          <p:cNvPr id="281" name="Google Shape;281;g8d25439bbe_3_193:notes"/>
           <p:cNvSpPr txBox="1"/>
           <p:nvPr>
             <p:ph idx="1" type="body"/>
@@ -1007,7 +1008,7 @@
   <p:cSld>
     <p:spTree>
       <p:nvGrpSpPr>
-        <p:cNvPr id="285" name="Shape 285"/>
+        <p:cNvPr id="288" name="Shape 288"/>
         <p:cNvGrpSpPr/>
         <p:nvPr/>
       </p:nvGrpSpPr>
@@ -1021,7 +1022,7 @@
       </p:grpSpPr>
       <p:sp>
         <p:nvSpPr>
-          <p:cNvPr id="286" name="Google Shape;286;g8d3cda693a_3_21:notes"/>
+          <p:cNvPr id="289" name="Google Shape;289;g8d3cda693a_3_21:notes"/>
           <p:cNvSpPr/>
           <p:nvPr>
             <p:ph idx="2" type="sldImg"/>
@@ -1056,7 +1057,7 @@
       </p:sp>
       <p:sp>
         <p:nvSpPr>
-          <p:cNvPr id="287" name="Google Shape;287;g8d3cda693a_3_21:notes"/>
+          <p:cNvPr id="290" name="Google Shape;290;g8d3cda693a_3_21:notes"/>
           <p:cNvSpPr txBox="1"/>
           <p:nvPr>
             <p:ph idx="1" type="body"/>
@@ -1106,7 +1107,7 @@
   <p:cSld>
     <p:spTree>
       <p:nvGrpSpPr>
-        <p:cNvPr id="292" name="Shape 292"/>
+        <p:cNvPr id="295" name="Shape 295"/>
         <p:cNvGrpSpPr/>
         <p:nvPr/>
       </p:nvGrpSpPr>
@@ -1120,7 +1121,7 @@
       </p:grpSpPr>
       <p:sp>
         <p:nvSpPr>
-          <p:cNvPr id="293" name="Google Shape;293;g8d3cda693a_3_11:notes"/>
+          <p:cNvPr id="296" name="Google Shape;296;g8d3cda693a_3_11:notes"/>
           <p:cNvSpPr/>
           <p:nvPr>
             <p:ph idx="2" type="sldImg"/>
@@ -1155,7 +1156,7 @@
       </p:sp>
       <p:sp>
         <p:nvSpPr>
-          <p:cNvPr id="294" name="Google Shape;294;g8d3cda693a_3_11:notes"/>
+          <p:cNvPr id="297" name="Google Shape;297;g8d3cda693a_3_11:notes"/>
           <p:cNvSpPr txBox="1"/>
           <p:nvPr>
             <p:ph idx="1" type="body"/>
@@ -1205,7 +1206,7 @@
   <p:cSld>
     <p:spTree>
       <p:nvGrpSpPr>
-        <p:cNvPr id="298" name="Shape 298"/>
+        <p:cNvPr id="301" name="Shape 301"/>
         <p:cNvGrpSpPr/>
         <p:nvPr/>
       </p:nvGrpSpPr>
@@ -1219,7 +1220,7 @@
       </p:grpSpPr>
       <p:sp>
         <p:nvSpPr>
-          <p:cNvPr id="299" name="Google Shape;299;g8d3cda693a_3_29:notes"/>
+          <p:cNvPr id="302" name="Google Shape;302;g8d3cda693a_3_29:notes"/>
           <p:cNvSpPr/>
           <p:nvPr>
             <p:ph idx="2" type="sldImg"/>
@@ -1254,7 +1255,7 @@
       </p:sp>
       <p:sp>
         <p:nvSpPr>
-          <p:cNvPr id="300" name="Google Shape;300;g8d3cda693a_3_29:notes"/>
+          <p:cNvPr id="303" name="Google Shape;303;g8d3cda693a_3_29:notes"/>
           <p:cNvSpPr txBox="1"/>
           <p:nvPr>
             <p:ph idx="1" type="body"/>
@@ -1304,7 +1305,7 @@
   <p:cSld>
     <p:spTree>
       <p:nvGrpSpPr>
-        <p:cNvPr id="306" name="Shape 306"/>
+        <p:cNvPr id="309" name="Shape 309"/>
         <p:cNvGrpSpPr/>
         <p:nvPr/>
       </p:nvGrpSpPr>
@@ -1318,7 +1319,7 @@
       </p:grpSpPr>
       <p:sp>
         <p:nvSpPr>
-          <p:cNvPr id="307" name="Google Shape;307;g8d3cda693a_3_41:notes"/>
+          <p:cNvPr id="310" name="Google Shape;310;g8d39167843_0_0:notes"/>
           <p:cNvSpPr/>
           <p:nvPr>
             <p:ph idx="2" type="sldImg"/>
@@ -1353,7 +1354,7 @@
       </p:sp>
       <p:sp>
         <p:nvSpPr>
-          <p:cNvPr id="308" name="Google Shape;308;g8d3cda693a_3_41:notes"/>
+          <p:cNvPr id="311" name="Google Shape;311;g8d39167843_0_0:notes"/>
           <p:cNvSpPr txBox="1"/>
           <p:nvPr>
             <p:ph idx="1" type="body"/>
@@ -1403,7 +1404,7 @@
   <p:cSld>
     <p:spTree>
       <p:nvGrpSpPr>
-        <p:cNvPr id="314" name="Shape 314"/>
+        <p:cNvPr id="318" name="Shape 318"/>
         <p:cNvGrpSpPr/>
         <p:nvPr/>
       </p:nvGrpSpPr>
@@ -1417,7 +1418,7 @@
       </p:grpSpPr>
       <p:sp>
         <p:nvSpPr>
-          <p:cNvPr id="315" name="Google Shape;315;g8d3cda693a_4_0:notes"/>
+          <p:cNvPr id="319" name="Google Shape;319;g8d3cda693a_4_0:notes"/>
           <p:cNvSpPr/>
           <p:nvPr>
             <p:ph idx="2" type="sldImg"/>
@@ -1452,7 +1453,7 @@
       </p:sp>
       <p:sp>
         <p:nvSpPr>
-          <p:cNvPr id="316" name="Google Shape;316;g8d3cda693a_4_0:notes"/>
+          <p:cNvPr id="320" name="Google Shape;320;g8d3cda693a_4_0:notes"/>
           <p:cNvSpPr txBox="1"/>
           <p:nvPr>
             <p:ph idx="1" type="body"/>
@@ -1502,7 +1503,7 @@
   <p:cSld>
     <p:spTree>
       <p:nvGrpSpPr>
-        <p:cNvPr id="321" name="Shape 321"/>
+        <p:cNvPr id="325" name="Shape 325"/>
         <p:cNvGrpSpPr/>
         <p:nvPr/>
       </p:nvGrpSpPr>
@@ -1516,7 +1517,7 @@
       </p:grpSpPr>
       <p:sp>
         <p:nvSpPr>
-          <p:cNvPr id="322" name="Google Shape;322;g8d3cda693a_9_14:notes"/>
+          <p:cNvPr id="326" name="Google Shape;326;g8d3cda693a_9_14:notes"/>
           <p:cNvSpPr/>
           <p:nvPr>
             <p:ph idx="2" type="sldImg"/>
@@ -1551,7 +1552,7 @@
       </p:sp>
       <p:sp>
         <p:nvSpPr>
-          <p:cNvPr id="323" name="Google Shape;323;g8d3cda693a_9_14:notes"/>
+          <p:cNvPr id="327" name="Google Shape;327;g8d3cda693a_9_14:notes"/>
           <p:cNvSpPr txBox="1"/>
           <p:nvPr>
             <p:ph idx="1" type="body"/>
@@ -1601,7 +1602,7 @@
   <p:cSld>
     <p:spTree>
       <p:nvGrpSpPr>
-        <p:cNvPr id="327" name="Shape 327"/>
+        <p:cNvPr id="331" name="Shape 331"/>
         <p:cNvGrpSpPr/>
         <p:nvPr/>
       </p:nvGrpSpPr>
@@ -1615,7 +1616,7 @@
       </p:grpSpPr>
       <p:sp>
         <p:nvSpPr>
-          <p:cNvPr id="328" name="Google Shape;328;g8d3cda693a_4_5:notes"/>
+          <p:cNvPr id="332" name="Google Shape;332;g8d3cda693a_9_19:notes"/>
           <p:cNvSpPr/>
           <p:nvPr>
             <p:ph idx="2" type="sldImg"/>
@@ -1650,7 +1651,7 @@
       </p:sp>
       <p:sp>
         <p:nvSpPr>
-          <p:cNvPr id="329" name="Google Shape;329;g8d3cda693a_4_5:notes"/>
+          <p:cNvPr id="333" name="Google Shape;333;g8d3cda693a_9_19:notes"/>
           <p:cNvSpPr txBox="1"/>
           <p:nvPr>
             <p:ph idx="1" type="body"/>
@@ -1700,7 +1701,7 @@
   <p:cSld>
     <p:spTree>
       <p:nvGrpSpPr>
-        <p:cNvPr id="337" name="Shape 337"/>
+        <p:cNvPr id="338" name="Shape 338"/>
         <p:cNvGrpSpPr/>
         <p:nvPr/>
       </p:nvGrpSpPr>
@@ -1714,7 +1715,7 @@
       </p:grpSpPr>
       <p:sp>
         <p:nvSpPr>
-          <p:cNvPr id="338" name="Google Shape;338;g8d3cda693a_10_12:notes"/>
+          <p:cNvPr id="339" name="Google Shape;339;g8d3cda693a_4_5:notes"/>
           <p:cNvSpPr/>
           <p:nvPr>
             <p:ph idx="2" type="sldImg"/>
@@ -1749,7 +1750,7 @@
       </p:sp>
       <p:sp>
         <p:nvSpPr>
-          <p:cNvPr id="339" name="Google Shape;339;g8d3cda693a_10_12:notes"/>
+          <p:cNvPr id="340" name="Google Shape;340;g8d3cda693a_4_5:notes"/>
           <p:cNvSpPr txBox="1"/>
           <p:nvPr>
             <p:ph idx="1" type="body"/>
@@ -1884,6 +1885,105 @@
             </a:pathLst>
           </a:custGeom>
         </p:spPr>
+      </p:sp>
+    </p:spTree>
+  </p:cSld>
+  <p:clrMapOvr>
+    <a:masterClrMapping/>
+  </p:clrMapOvr>
+</p:notes>
+</file>
+
+<file path=ppt/notesSlides/notesSlide20.xml><?xml version="1.0" encoding="utf-8"?>
+<p:notes xmlns:a="http://schemas.openxmlformats.org/drawingml/2006/main" xmlns:r="http://schemas.openxmlformats.org/officeDocument/2006/relationships" xmlns:mc="http://schemas.openxmlformats.org/markup-compatibility/2006" xmlns:mv="urn:schemas-microsoft-com:mac:vml" xmlns:p="http://schemas.openxmlformats.org/presentationml/2006/main" xmlns:c="http://schemas.openxmlformats.org/drawingml/2006/chart" xmlns:dgm="http://schemas.openxmlformats.org/drawingml/2006/diagram" xmlns:o="urn:schemas-microsoft-com:office:office" xmlns:v="urn:schemas-microsoft-com:vml" xmlns:pvml="urn:schemas-microsoft-com:office:powerpoint" xmlns:com="http://schemas.openxmlformats.org/drawingml/2006/compatibility" xmlns:p14="http://schemas.microsoft.com/office/powerpoint/2010/main" xmlns:p15="http://schemas.microsoft.com/office/powerpoint/2012/main" xmlns:ahyp="http://schemas.microsoft.com/office/drawing/2018/hyperlinkcolor" showMasterPhAnim="0" showMasterSp="0">
+  <p:cSld>
+    <p:spTree>
+      <p:nvGrpSpPr>
+        <p:cNvPr id="348" name="Shape 348"/>
+        <p:cNvGrpSpPr/>
+        <p:nvPr/>
+      </p:nvGrpSpPr>
+      <p:grpSpPr>
+        <a:xfrm>
+          <a:off x="0" y="0"/>
+          <a:ext cx="0" cy="0"/>
+          <a:chOff x="0" y="0"/>
+          <a:chExt cx="0" cy="0"/>
+        </a:xfrm>
+      </p:grpSpPr>
+      <p:sp>
+        <p:nvSpPr>
+          <p:cNvPr id="349" name="Google Shape;349;g8d3cda693a_10_12:notes"/>
+          <p:cNvSpPr/>
+          <p:nvPr>
+            <p:ph idx="2" type="sldImg"/>
+          </p:nvPr>
+        </p:nvSpPr>
+        <p:spPr>
+          <a:xfrm>
+            <a:off x="381300" y="685800"/>
+            <a:ext cx="6096000" cy="3429000"/>
+          </a:xfrm>
+          <a:custGeom>
+            <a:rect b="b" l="l" r="r" t="t"/>
+            <a:pathLst>
+              <a:path extrusionOk="0" h="120000" w="120000">
+                <a:moveTo>
+                  <a:pt x="0" y="0"/>
+                </a:moveTo>
+                <a:lnTo>
+                  <a:pt x="120000" y="0"/>
+                </a:lnTo>
+                <a:lnTo>
+                  <a:pt x="120000" y="120000"/>
+                </a:lnTo>
+                <a:lnTo>
+                  <a:pt x="0" y="120000"/>
+                </a:lnTo>
+                <a:close/>
+              </a:path>
+            </a:pathLst>
+          </a:custGeom>
+        </p:spPr>
+      </p:sp>
+      <p:sp>
+        <p:nvSpPr>
+          <p:cNvPr id="350" name="Google Shape;350;g8d3cda693a_10_12:notes"/>
+          <p:cNvSpPr txBox="1"/>
+          <p:nvPr>
+            <p:ph idx="1" type="body"/>
+          </p:nvPr>
+        </p:nvSpPr>
+        <p:spPr>
+          <a:xfrm>
+            <a:off x="685800" y="4343400"/>
+            <a:ext cx="5486400" cy="4114800"/>
+          </a:xfrm>
+          <a:prstGeom prst="rect">
+            <a:avLst/>
+          </a:prstGeom>
+        </p:spPr>
+        <p:txBody>
+          <a:bodyPr anchorCtr="0" anchor="t" bIns="91425" lIns="91425" spcFirstLastPara="1" rIns="91425" wrap="square" tIns="91425">
+            <a:noAutofit/>
+          </a:bodyPr>
+          <a:lstStyle/>
+          <a:p>
+            <a:pPr indent="0" lvl="0" marL="0" rtl="0" algn="l">
+              <a:spcBef>
+                <a:spcPts val="0"/>
+              </a:spcBef>
+              <a:spcAft>
+                <a:spcPts val="0"/>
+              </a:spcAft>
+              <a:buNone/>
+            </a:pPr>
+            <a:r>
+              <a:t/>
+            </a:r>
+            <a:endParaRPr/>
+          </a:p>
+        </p:txBody>
       </p:sp>
     </p:spTree>
   </p:cSld>
@@ -18683,39 +18783,7 @@
             </a:pPr>
             <a:r>
               <a:rPr lang="en" sz="1100"/>
-              <a:t>- list of personally created peer eval w/ link to see content</a:t>
-            </a:r>
-            <a:endParaRPr sz="1100"/>
-          </a:p>
-          <a:p>
-            <a:pPr indent="0" lvl="0" marL="0" rtl="0" algn="l">
-              <a:spcBef>
-                <a:spcPts val="0"/>
-              </a:spcBef>
-              <a:spcAft>
-                <a:spcPts val="0"/>
-              </a:spcAft>
-              <a:buNone/>
-            </a:pPr>
-            <a:r>
-              <a:rPr lang="en" sz="1100"/>
-              <a:t>- edit eval</a:t>
-            </a:r>
-            <a:endParaRPr sz="1100"/>
-          </a:p>
-          <a:p>
-            <a:pPr indent="0" lvl="0" marL="0" rtl="0" algn="l">
-              <a:spcBef>
-                <a:spcPts val="0"/>
-              </a:spcBef>
-              <a:spcAft>
-                <a:spcPts val="0"/>
-              </a:spcAft>
-              <a:buNone/>
-            </a:pPr>
-            <a:r>
-              <a:rPr lang="en" sz="1100"/>
-              <a:t>- create eval</a:t>
+              <a:t>- list of members w/ link to create eval</a:t>
             </a:r>
             <a:endParaRPr sz="1100"/>
           </a:p>
@@ -19565,8 +19633,8 @@
         </p:nvSpPr>
         <p:spPr>
           <a:xfrm>
-            <a:off x="5976600" y="2943774"/>
-            <a:ext cx="1144200" cy="996900"/>
+            <a:off x="5976600" y="2943775"/>
+            <a:ext cx="1144200" cy="1087500"/>
           </a:xfrm>
           <a:prstGeom prst="rect">
             <a:avLst/>
@@ -19642,6 +19710,22 @@
             <a:r>
               <a:rPr lang="en" sz="1100"/>
               <a:t>- edit groups</a:t>
+            </a:r>
+            <a:endParaRPr sz="1100"/>
+          </a:p>
+          <a:p>
+            <a:pPr indent="0" lvl="0" marL="0" rtl="0" algn="l">
+              <a:spcBef>
+                <a:spcPts val="0"/>
+              </a:spcBef>
+              <a:spcAft>
+                <a:spcPts val="0"/>
+              </a:spcAft>
+              <a:buNone/>
+            </a:pPr>
+            <a:r>
+              <a:rPr lang="en" sz="1100"/>
+              <a:t>- add student</a:t>
             </a:r>
             <a:endParaRPr sz="1100"/>
           </a:p>
@@ -20999,6 +21083,123 @@
           </a:ln>
         </p:spPr>
       </p:cxnSp>
+      <p:cxnSp>
+        <p:nvCxnSpPr>
+          <p:cNvPr id="276" name="Google Shape;276;p35"/>
+          <p:cNvCxnSpPr/>
+          <p:nvPr/>
+        </p:nvCxnSpPr>
+        <p:spPr>
+          <a:xfrm rot="10800000">
+            <a:off x="7009400" y="3965375"/>
+            <a:ext cx="351000" cy="366000"/>
+          </a:xfrm>
+          <a:prstGeom prst="straightConnector1">
+            <a:avLst/>
+          </a:prstGeom>
+          <a:noFill/>
+          <a:ln cap="flat" cmpd="sng" w="9525">
+            <a:solidFill>
+              <a:schemeClr val="dk2"/>
+            </a:solidFill>
+            <a:prstDash val="solid"/>
+            <a:round/>
+            <a:headEnd len="med" w="med" type="none"/>
+            <a:tailEnd len="med" w="med" type="none"/>
+          </a:ln>
+        </p:spPr>
+      </p:cxnSp>
+      <p:sp>
+        <p:nvSpPr>
+          <p:cNvPr id="277" name="Google Shape;277;p35"/>
+          <p:cNvSpPr/>
+          <p:nvPr/>
+        </p:nvSpPr>
+        <p:spPr>
+          <a:xfrm>
+            <a:off x="7331384" y="4161351"/>
+            <a:ext cx="1144200" cy="303300"/>
+          </a:xfrm>
+          <a:prstGeom prst="rect">
+            <a:avLst/>
+          </a:prstGeom>
+          <a:solidFill>
+            <a:schemeClr val="lt2"/>
+          </a:solidFill>
+          <a:ln cap="flat" cmpd="sng" w="9525">
+            <a:solidFill>
+              <a:schemeClr val="dk2"/>
+            </a:solidFill>
+            <a:prstDash val="solid"/>
+            <a:round/>
+            <a:headEnd len="sm" w="sm" type="none"/>
+            <a:tailEnd len="sm" w="sm" type="none"/>
+          </a:ln>
+        </p:spPr>
+        <p:txBody>
+          <a:bodyPr anchorCtr="0" anchor="ctr" bIns="91425" lIns="91425" spcFirstLastPara="1" rIns="91425" wrap="square" tIns="91425">
+            <a:noAutofit/>
+          </a:bodyPr>
+          <a:lstStyle/>
+          <a:p>
+            <a:pPr indent="0" lvl="0" marL="0" rtl="0" algn="l">
+              <a:spcBef>
+                <a:spcPts val="0"/>
+              </a:spcBef>
+              <a:spcAft>
+                <a:spcPts val="0"/>
+              </a:spcAft>
+              <a:buNone/>
+            </a:pPr>
+            <a:r>
+              <a:t/>
+            </a:r>
+            <a:endParaRPr/>
+          </a:p>
+        </p:txBody>
+      </p:sp>
+      <p:sp>
+        <p:nvSpPr>
+          <p:cNvPr id="278" name="Google Shape;278;p35"/>
+          <p:cNvSpPr txBox="1"/>
+          <p:nvPr/>
+        </p:nvSpPr>
+        <p:spPr>
+          <a:xfrm>
+            <a:off x="7385044" y="4161351"/>
+            <a:ext cx="1012200" cy="303300"/>
+          </a:xfrm>
+          <a:prstGeom prst="rect">
+            <a:avLst/>
+          </a:prstGeom>
+          <a:noFill/>
+          <a:ln>
+            <a:noFill/>
+          </a:ln>
+        </p:spPr>
+        <p:txBody>
+          <a:bodyPr anchorCtr="0" anchor="t" bIns="91425" lIns="91425" spcFirstLastPara="1" rIns="91425" wrap="square" tIns="91425">
+            <a:noAutofit/>
+          </a:bodyPr>
+          <a:lstStyle/>
+          <a:p>
+            <a:pPr indent="0" lvl="0" marL="0" rtl="0" algn="l">
+              <a:spcBef>
+                <a:spcPts val="0"/>
+              </a:spcBef>
+              <a:spcAft>
+                <a:spcPts val="0"/>
+              </a:spcAft>
+              <a:buNone/>
+            </a:pPr>
+            <a:r>
+              <a:rPr lang="en" sz="1100"/>
+              <a:t>Add student</a:t>
+            </a:r>
+            <a:endParaRPr sz="1100"/>
+          </a:p>
+        </p:txBody>
+      </p:sp>
     </p:spTree>
   </p:cSld>
   <p:clrMapOvr>
@@ -21012,7 +21213,7 @@
   <p:cSld>
     <p:spTree>
       <p:nvGrpSpPr>
-        <p:cNvPr id="279" name="Shape 279"/>
+        <p:cNvPr id="282" name="Shape 282"/>
         <p:cNvGrpSpPr/>
         <p:nvPr/>
       </p:nvGrpSpPr>
@@ -21026,7 +21227,7 @@
       </p:grpSpPr>
       <p:sp>
         <p:nvSpPr>
-          <p:cNvPr id="280" name="Google Shape;280;p36"/>
+          <p:cNvPr id="283" name="Google Shape;283;p36"/>
           <p:cNvSpPr txBox="1"/>
           <p:nvPr>
             <p:ph type="title"/>
@@ -21066,7 +21267,7 @@
       </p:sp>
       <p:sp>
         <p:nvSpPr>
-          <p:cNvPr id="281" name="Google Shape;281;p36"/>
+          <p:cNvPr id="284" name="Google Shape;284;p36"/>
           <p:cNvSpPr txBox="1"/>
           <p:nvPr>
             <p:ph idx="1" type="body"/>
@@ -21124,7 +21325,7 @@
       </p:sp>
       <p:pic>
         <p:nvPicPr>
-          <p:cNvPr id="282" name="Google Shape;282;p36"/>
+          <p:cNvPr id="285" name="Google Shape;285;p36"/>
           <p:cNvPicPr preferRelativeResize="0"/>
           <p:nvPr/>
         </p:nvPicPr>
@@ -21157,7 +21358,7 @@
       </p:pic>
       <p:sp>
         <p:nvSpPr>
-          <p:cNvPr id="283" name="Google Shape;283;p36"/>
+          <p:cNvPr id="286" name="Google Shape;286;p36"/>
           <p:cNvSpPr txBox="1"/>
           <p:nvPr>
             <p:ph type="title"/>
@@ -21197,7 +21398,7 @@
       </p:sp>
       <p:pic>
         <p:nvPicPr>
-          <p:cNvPr id="284" name="Google Shape;284;p36"/>
+          <p:cNvPr id="287" name="Google Shape;287;p36"/>
           <p:cNvPicPr preferRelativeResize="0"/>
           <p:nvPr/>
         </p:nvPicPr>
@@ -21241,7 +21442,7 @@
   <p:cSld>
     <p:spTree>
       <p:nvGrpSpPr>
-        <p:cNvPr id="288" name="Shape 288"/>
+        <p:cNvPr id="291" name="Shape 291"/>
         <p:cNvGrpSpPr/>
         <p:nvPr/>
       </p:nvGrpSpPr>
@@ -21255,7 +21456,7 @@
       </p:grpSpPr>
       <p:pic>
         <p:nvPicPr>
-          <p:cNvPr id="289" name="Google Shape;289;p37"/>
+          <p:cNvPr id="292" name="Google Shape;292;p37"/>
           <p:cNvPicPr preferRelativeResize="0"/>
           <p:nvPr/>
         </p:nvPicPr>
@@ -21289,7 +21490,7 @@
       </p:pic>
       <p:sp>
         <p:nvSpPr>
-          <p:cNvPr id="290" name="Google Shape;290;p37"/>
+          <p:cNvPr id="293" name="Google Shape;293;p37"/>
           <p:cNvSpPr txBox="1"/>
           <p:nvPr>
             <p:ph type="title"/>
@@ -21329,7 +21530,7 @@
       </p:sp>
       <p:pic>
         <p:nvPicPr>
-          <p:cNvPr id="291" name="Google Shape;291;p37"/>
+          <p:cNvPr id="294" name="Google Shape;294;p37"/>
           <p:cNvPicPr preferRelativeResize="0"/>
           <p:nvPr/>
         </p:nvPicPr>
@@ -21374,7 +21575,7 @@
   <p:cSld>
     <p:spTree>
       <p:nvGrpSpPr>
-        <p:cNvPr id="295" name="Shape 295"/>
+        <p:cNvPr id="298" name="Shape 298"/>
         <p:cNvGrpSpPr/>
         <p:nvPr/>
       </p:nvGrpSpPr>
@@ -21388,7 +21589,7 @@
       </p:grpSpPr>
       <p:sp>
         <p:nvSpPr>
-          <p:cNvPr id="296" name="Google Shape;296;p38"/>
+          <p:cNvPr id="299" name="Google Shape;299;p38"/>
           <p:cNvSpPr txBox="1"/>
           <p:nvPr>
             <p:ph type="title"/>
@@ -21428,7 +21629,7 @@
       </p:sp>
       <p:pic>
         <p:nvPicPr>
-          <p:cNvPr id="297" name="Google Shape;297;p38"/>
+          <p:cNvPr id="300" name="Google Shape;300;p38"/>
           <p:cNvPicPr preferRelativeResize="0"/>
           <p:nvPr/>
         </p:nvPicPr>
@@ -21467,7 +21668,7 @@
   <p:cSld>
     <p:spTree>
       <p:nvGrpSpPr>
-        <p:cNvPr id="301" name="Shape 301"/>
+        <p:cNvPr id="304" name="Shape 304"/>
         <p:cNvGrpSpPr/>
         <p:nvPr/>
       </p:nvGrpSpPr>
@@ -21481,7 +21682,7 @@
       </p:grpSpPr>
       <p:sp>
         <p:nvSpPr>
-          <p:cNvPr id="302" name="Google Shape;302;p39"/>
+          <p:cNvPr id="305" name="Google Shape;305;p39"/>
           <p:cNvSpPr txBox="1"/>
           <p:nvPr>
             <p:ph type="title"/>
@@ -21521,7 +21722,7 @@
       </p:sp>
       <p:pic>
         <p:nvPicPr>
-          <p:cNvPr id="303" name="Google Shape;303;p39"/>
+          <p:cNvPr id="306" name="Google Shape;306;p39"/>
           <p:cNvPicPr preferRelativeResize="0"/>
           <p:nvPr/>
         </p:nvPicPr>
@@ -21549,7 +21750,7 @@
       </p:pic>
       <p:pic>
         <p:nvPicPr>
-          <p:cNvPr id="304" name="Google Shape;304;p39"/>
+          <p:cNvPr id="307" name="Google Shape;307;p39"/>
           <p:cNvPicPr preferRelativeResize="0"/>
           <p:nvPr/>
         </p:nvPicPr>
@@ -21577,7 +21778,7 @@
       </p:pic>
       <p:pic>
         <p:nvPicPr>
-          <p:cNvPr id="305" name="Google Shape;305;p39"/>
+          <p:cNvPr id="308" name="Google Shape;308;p39"/>
           <p:cNvPicPr preferRelativeResize="0"/>
           <p:nvPr/>
         </p:nvPicPr>
@@ -21616,7 +21817,7 @@
   <p:cSld>
     <p:spTree>
       <p:nvGrpSpPr>
-        <p:cNvPr id="309" name="Shape 309"/>
+        <p:cNvPr id="312" name="Shape 312"/>
         <p:cNvGrpSpPr/>
         <p:nvPr/>
       </p:nvGrpSpPr>
@@ -21630,7 +21831,7 @@
       </p:grpSpPr>
       <p:sp>
         <p:nvSpPr>
-          <p:cNvPr id="310" name="Google Shape;310;p40"/>
+          <p:cNvPr id="313" name="Google Shape;313;p40"/>
           <p:cNvSpPr txBox="1"/>
           <p:nvPr>
             <p:ph type="title"/>
@@ -21662,7 +21863,7 @@
             </a:pPr>
             <a:r>
               <a:rPr lang="en"/>
-              <a:t>Courses Controller - Index pages</a:t>
+              <a:t>Courses Controller - Show</a:t>
             </a:r>
             <a:endParaRPr/>
           </a:p>
@@ -21670,22 +21871,21 @@
       </p:sp>
       <p:pic>
         <p:nvPicPr>
-          <p:cNvPr id="311" name="Google Shape;311;p40"/>
+          <p:cNvPr id="314" name="Google Shape;314;p40"/>
           <p:cNvPicPr preferRelativeResize="0"/>
           <p:nvPr/>
         </p:nvPicPr>
-        <p:blipFill>
+        <p:blipFill rotWithShape="1">
           <a:blip r:embed="rId3">
             <a:alphaModFix/>
           </a:blip>
-          <a:stretch>
-            <a:fillRect/>
-          </a:stretch>
+          <a:srcRect b="7202" l="55746" r="36726" t="52513"/>
+          <a:stretch/>
         </p:blipFill>
         <p:spPr>
           <a:xfrm>
-            <a:off x="489837" y="1040975"/>
-            <a:ext cx="8164324" cy="1598350"/>
+            <a:off x="351500" y="1507200"/>
+            <a:ext cx="838050" cy="877975"/>
           </a:xfrm>
           <a:prstGeom prst="rect">
             <a:avLst/>
@@ -21698,7 +21898,7 @@
       </p:pic>
       <p:pic>
         <p:nvPicPr>
-          <p:cNvPr id="312" name="Google Shape;312;p40"/>
+          <p:cNvPr id="315" name="Google Shape;315;p40"/>
           <p:cNvPicPr preferRelativeResize="0"/>
           <p:nvPr/>
         </p:nvPicPr>
@@ -21726,7 +21926,7 @@
       </p:pic>
       <p:pic>
         <p:nvPicPr>
-          <p:cNvPr id="313" name="Google Shape;313;p40"/>
+          <p:cNvPr id="316" name="Google Shape;316;p40"/>
           <p:cNvPicPr preferRelativeResize="0"/>
           <p:nvPr/>
         </p:nvPicPr>
@@ -21740,8 +21940,36 @@
         </p:blipFill>
         <p:spPr>
           <a:xfrm>
-            <a:off x="808100" y="2734586"/>
-            <a:ext cx="7527774" cy="2054128"/>
+            <a:off x="413249" y="2571750"/>
+            <a:ext cx="8152177" cy="2411975"/>
+          </a:xfrm>
+          <a:prstGeom prst="rect">
+            <a:avLst/>
+          </a:prstGeom>
+          <a:noFill/>
+          <a:ln>
+            <a:noFill/>
+          </a:ln>
+        </p:spPr>
+      </p:pic>
+      <p:pic>
+        <p:nvPicPr>
+          <p:cNvPr id="317" name="Google Shape;317;p40"/>
+          <p:cNvPicPr preferRelativeResize="0"/>
+          <p:nvPr/>
+        </p:nvPicPr>
+        <p:blipFill>
+          <a:blip r:embed="rId6">
+            <a:alphaModFix/>
+          </a:blip>
+          <a:stretch>
+            <a:fillRect/>
+          </a:stretch>
+        </p:blipFill>
+        <p:spPr>
+          <a:xfrm>
+            <a:off x="1301664" y="1032188"/>
+            <a:ext cx="7061987" cy="1479513"/>
           </a:xfrm>
           <a:prstGeom prst="rect">
             <a:avLst/>
@@ -21765,7 +21993,7 @@
   <p:cSld>
     <p:spTree>
       <p:nvGrpSpPr>
-        <p:cNvPr id="317" name="Shape 317"/>
+        <p:cNvPr id="321" name="Shape 321"/>
         <p:cNvGrpSpPr/>
         <p:nvPr/>
       </p:nvGrpSpPr>
@@ -21779,7 +22007,7 @@
       </p:grpSpPr>
       <p:sp>
         <p:nvSpPr>
-          <p:cNvPr id="318" name="Google Shape;318;p41"/>
+          <p:cNvPr id="322" name="Google Shape;322;p41"/>
           <p:cNvSpPr txBox="1"/>
           <p:nvPr>
             <p:ph type="title"/>
@@ -21819,7 +22047,7 @@
       </p:sp>
       <p:sp>
         <p:nvSpPr>
-          <p:cNvPr id="319" name="Google Shape;319;p41"/>
+          <p:cNvPr id="323" name="Google Shape;323;p41"/>
           <p:cNvSpPr txBox="1"/>
           <p:nvPr>
             <p:ph idx="1" type="body"/>
@@ -22042,7 +22270,7 @@
       </p:sp>
       <p:pic>
         <p:nvPicPr>
-          <p:cNvPr id="320" name="Google Shape;320;p41"/>
+          <p:cNvPr id="324" name="Google Shape;324;p41"/>
           <p:cNvPicPr preferRelativeResize="0"/>
           <p:nvPr/>
         </p:nvPicPr>
@@ -22081,7 +22309,7 @@
   <p:cSld>
     <p:spTree>
       <p:nvGrpSpPr>
-        <p:cNvPr id="324" name="Shape 324"/>
+        <p:cNvPr id="328" name="Shape 328"/>
         <p:cNvGrpSpPr/>
         <p:nvPr/>
       </p:nvGrpSpPr>
@@ -22095,7 +22323,7 @@
       </p:grpSpPr>
       <p:sp>
         <p:nvSpPr>
-          <p:cNvPr id="325" name="Google Shape;325;p42"/>
+          <p:cNvPr id="329" name="Google Shape;329;p42"/>
           <p:cNvSpPr txBox="1"/>
           <p:nvPr>
             <p:ph type="title"/>
@@ -22131,6 +22359,26 @@
               <a:buNone/>
             </a:pPr>
             <a:r>
+              <a:t/>
+            </a:r>
+            <a:endParaRPr/>
+          </a:p>
+          <a:p>
+            <a:pPr indent="0" lvl="0" marL="0" rtl="0" algn="l">
+              <a:spcBef>
+                <a:spcPts val="0"/>
+              </a:spcBef>
+              <a:spcAft>
+                <a:spcPts val="0"/>
+              </a:spcAft>
+              <a:buClr>
+                <a:schemeClr val="dk1"/>
+              </a:buClr>
+              <a:buSzPts val="1100"/>
+              <a:buFont typeface="Arial"/>
+              <a:buNone/>
+            </a:pPr>
+            <a:r>
               <a:rPr lang="en"/>
               <a:t>IMPLEMENTATION OF VIEWS</a:t>
             </a:r>
@@ -22155,7 +22403,7 @@
       </p:sp>
       <p:sp>
         <p:nvSpPr>
-          <p:cNvPr id="326" name="Google Shape;326;p42"/>
+          <p:cNvPr id="330" name="Google Shape;330;p42"/>
           <p:cNvSpPr txBox="1"/>
           <p:nvPr>
             <p:ph idx="1" type="body"/>
@@ -22234,7 +22482,19 @@
             </a:pPr>
             <a:r>
               <a:rPr lang="en"/>
-              <a:t>We utilized form_with for the creation of several forms throughout our views.</a:t>
+              <a:t>We utilized </a:t>
+            </a:r>
+            <a:r>
+              <a:rPr lang="en">
+                <a:solidFill>
+                  <a:schemeClr val="accent2"/>
+                </a:solidFill>
+              </a:rPr>
+              <a:t>form_with</a:t>
+            </a:r>
+            <a:r>
+              <a:rPr lang="en"/>
+              <a:t> for the creation of several forms throughout our views.</a:t>
             </a:r>
             <a:endParaRPr/>
           </a:p>
@@ -22319,7 +22579,7 @@
             </a:pPr>
             <a:r>
               <a:rPr lang="en"/>
-              <a:t>For the actual peer evaluation </a:t>
+              <a:t>For peer evaluation itself</a:t>
             </a:r>
             <a:endParaRPr/>
           </a:p>
@@ -22353,7 +22613,7 @@
   <p:cSld>
     <p:spTree>
       <p:nvGrpSpPr>
-        <p:cNvPr id="330" name="Shape 330"/>
+        <p:cNvPr id="334" name="Shape 334"/>
         <p:cNvGrpSpPr/>
         <p:nvPr/>
       </p:nvGrpSpPr>
@@ -22367,7 +22627,7 @@
       </p:grpSpPr>
       <p:sp>
         <p:nvSpPr>
-          <p:cNvPr id="331" name="Google Shape;331;p43"/>
+          <p:cNvPr id="335" name="Google Shape;335;p43"/>
           <p:cNvSpPr txBox="1"/>
           <p:nvPr>
             <p:ph type="title"/>
@@ -22375,8 +22635,8 @@
         </p:nvSpPr>
         <p:spPr>
           <a:xfrm>
-            <a:off x="628650" y="273844"/>
-            <a:ext cx="7886700" cy="994200"/>
+            <a:off x="311700" y="445025"/>
+            <a:ext cx="8520600" cy="572700"/>
           </a:xfrm>
           <a:prstGeom prst="rect">
             <a:avLst/>
@@ -22395,11 +22655,16 @@
               <a:spcAft>
                 <a:spcPts val="0"/>
               </a:spcAft>
+              <a:buClr>
+                <a:schemeClr val="dk1"/>
+              </a:buClr>
+              <a:buSzPts val="1100"/>
+              <a:buFont typeface="Arial"/>
               <a:buNone/>
             </a:pPr>
             <a:r>
               <a:rPr lang="en"/>
-              <a:t>ROUTES</a:t>
+              <a:t>IMPLEMENTATION OF VIEWS</a:t>
             </a:r>
             <a:endParaRPr/>
           </a:p>
@@ -22407,7 +22672,7 @@
       </p:sp>
       <p:sp>
         <p:nvSpPr>
-          <p:cNvPr id="332" name="Google Shape;332;p43"/>
+          <p:cNvPr id="336" name="Google Shape;336;p43"/>
           <p:cNvSpPr txBox="1"/>
           <p:nvPr>
             <p:ph idx="1" type="body"/>
@@ -22415,132 +22680,8 @@
         </p:nvSpPr>
         <p:spPr>
           <a:xfrm>
-            <a:off x="628650" y="1369219"/>
-            <a:ext cx="3886200" cy="3263400"/>
-          </a:xfrm>
-          <a:prstGeom prst="rect">
-            <a:avLst/>
-          </a:prstGeom>
-        </p:spPr>
-        <p:txBody>
-          <a:bodyPr anchorCtr="0" anchor="t" bIns="28575" lIns="57150" spcFirstLastPara="1" rIns="57150" wrap="square" tIns="28575">
-            <a:noAutofit/>
-          </a:bodyPr>
-          <a:lstStyle/>
-          <a:p>
-            <a:pPr indent="-336550" lvl="0" marL="457200" rtl="0" algn="l">
-              <a:spcBef>
-                <a:spcPts val="800"/>
-              </a:spcBef>
-              <a:spcAft>
-                <a:spcPts val="0"/>
-              </a:spcAft>
-              <a:buSzPts val="1700"/>
-              <a:buChar char="•"/>
-            </a:pPr>
-            <a:r>
-              <a:rPr lang="en" sz="1700"/>
-              <a:t>Routes were redirected to the landing page</a:t>
-            </a:r>
-            <a:endParaRPr sz="1700"/>
-          </a:p>
-          <a:p>
-            <a:pPr indent="0" lvl="0" marL="0" rtl="0" algn="l">
-              <a:spcBef>
-                <a:spcPts val="800"/>
-              </a:spcBef>
-              <a:spcAft>
-                <a:spcPts val="0"/>
-              </a:spcAft>
-              <a:buNone/>
-            </a:pPr>
-            <a:r>
-              <a:t/>
-            </a:r>
-            <a:endParaRPr sz="1700"/>
-          </a:p>
-          <a:p>
-            <a:pPr indent="-336550" lvl="0" marL="457200" rtl="0" algn="l">
-              <a:spcBef>
-                <a:spcPts val="800"/>
-              </a:spcBef>
-              <a:spcAft>
-                <a:spcPts val="0"/>
-              </a:spcAft>
-              <a:buSzPts val="1700"/>
-              <a:buChar char="•"/>
-            </a:pPr>
-            <a:r>
-              <a:rPr lang="en" sz="1700"/>
-              <a:t>Use of Devise to create authenticated and un</a:t>
-            </a:r>
-            <a:r>
-              <a:rPr lang="en" sz="1700"/>
-              <a:t>authenticated root</a:t>
-            </a:r>
-            <a:endParaRPr sz="1700"/>
-          </a:p>
-          <a:p>
-            <a:pPr indent="0" lvl="0" marL="457200" rtl="0" algn="l">
-              <a:spcBef>
-                <a:spcPts val="800"/>
-              </a:spcBef>
-              <a:spcAft>
-                <a:spcPts val="0"/>
-              </a:spcAft>
-              <a:buNone/>
-            </a:pPr>
-            <a:r>
-              <a:t/>
-            </a:r>
-            <a:endParaRPr sz="1700"/>
-          </a:p>
-          <a:p>
-            <a:pPr indent="-336550" lvl="0" marL="457200" rtl="0" algn="l">
-              <a:spcBef>
-                <a:spcPts val="800"/>
-              </a:spcBef>
-              <a:spcAft>
-                <a:spcPts val="0"/>
-              </a:spcAft>
-              <a:buSzPts val="1700"/>
-              <a:buChar char="•"/>
-            </a:pPr>
-            <a:r>
-              <a:rPr lang="en" sz="1700"/>
-              <a:t>Additional routes were created to handle different pages</a:t>
-            </a:r>
-            <a:endParaRPr sz="1700"/>
-          </a:p>
-          <a:p>
-            <a:pPr indent="0" lvl="0" marL="457200" rtl="0" algn="l">
-              <a:spcBef>
-                <a:spcPts val="800"/>
-              </a:spcBef>
-              <a:spcAft>
-                <a:spcPts val="0"/>
-              </a:spcAft>
-              <a:buNone/>
-            </a:pPr>
-            <a:r>
-              <a:t/>
-            </a:r>
-            <a:endParaRPr sz="1700"/>
-          </a:p>
-        </p:txBody>
-      </p:sp>
-      <p:sp>
-        <p:nvSpPr>
-          <p:cNvPr id="333" name="Google Shape;333;p43"/>
-          <p:cNvSpPr txBox="1"/>
-          <p:nvPr>
-            <p:ph idx="2" type="body"/>
-          </p:nvPr>
-        </p:nvSpPr>
-        <p:spPr>
-          <a:xfrm>
-            <a:off x="4629150" y="1369219"/>
-            <a:ext cx="3886200" cy="3263400"/>
+            <a:off x="311700" y="1152475"/>
+            <a:ext cx="8520600" cy="3416400"/>
           </a:xfrm>
           <a:prstGeom prst="rect">
             <a:avLst/>
@@ -22562,15 +22703,24 @@
               <a:buNone/>
             </a:pPr>
             <a:r>
-              <a:t/>
+              <a:rPr lang="en">
+                <a:solidFill>
+                  <a:schemeClr val="accent2"/>
+                </a:solidFill>
+              </a:rPr>
+              <a:t>Example from the peer evaluation form using radio buttons within a form. </a:t>
             </a:r>
-            <a:endParaRPr/>
+            <a:endParaRPr>
+              <a:solidFill>
+                <a:schemeClr val="accent2"/>
+              </a:solidFill>
+            </a:endParaRPr>
           </a:p>
         </p:txBody>
       </p:sp>
       <p:pic>
         <p:nvPicPr>
-          <p:cNvPr id="334" name="Google Shape;334;p43"/>
+          <p:cNvPr id="337" name="Google Shape;337;p43"/>
           <p:cNvPicPr preferRelativeResize="0"/>
           <p:nvPr/>
         </p:nvPicPr>
@@ -22584,64 +22734,8 @@
         </p:blipFill>
         <p:spPr>
           <a:xfrm>
-            <a:off x="4572000" y="1369225"/>
-            <a:ext cx="3943350" cy="1362075"/>
-          </a:xfrm>
-          <a:prstGeom prst="rect">
-            <a:avLst/>
-          </a:prstGeom>
-          <a:noFill/>
-          <a:ln>
-            <a:noFill/>
-          </a:ln>
-        </p:spPr>
-      </p:pic>
-      <p:pic>
-        <p:nvPicPr>
-          <p:cNvPr id="335" name="Google Shape;335;p43"/>
-          <p:cNvPicPr preferRelativeResize="0"/>
-          <p:nvPr/>
-        </p:nvPicPr>
-        <p:blipFill>
-          <a:blip r:embed="rId4">
-            <a:alphaModFix/>
-          </a:blip>
-          <a:stretch>
-            <a:fillRect/>
-          </a:stretch>
-        </p:blipFill>
-        <p:spPr>
-          <a:xfrm>
-            <a:off x="4629150" y="2832475"/>
-            <a:ext cx="3829501" cy="2044400"/>
-          </a:xfrm>
-          <a:prstGeom prst="rect">
-            <a:avLst/>
-          </a:prstGeom>
-          <a:noFill/>
-          <a:ln>
-            <a:noFill/>
-          </a:ln>
-        </p:spPr>
-      </p:pic>
-      <p:pic>
-        <p:nvPicPr>
-          <p:cNvPr id="336" name="Google Shape;336;p43"/>
-          <p:cNvPicPr preferRelativeResize="0"/>
-          <p:nvPr/>
-        </p:nvPicPr>
-        <p:blipFill>
-          <a:blip r:embed="rId5">
-            <a:alphaModFix/>
-          </a:blip>
-          <a:stretch>
-            <a:fillRect/>
-          </a:stretch>
-        </p:blipFill>
-        <p:spPr>
-          <a:xfrm>
-            <a:off x="7925022" y="216972"/>
-            <a:ext cx="981351" cy="934025"/>
+            <a:off x="568300" y="1854238"/>
+            <a:ext cx="4114800" cy="2714625"/>
           </a:xfrm>
           <a:prstGeom prst="rect">
             <a:avLst/>
@@ -22665,7 +22759,7 @@
   <p:cSld>
     <p:spTree>
       <p:nvGrpSpPr>
-        <p:cNvPr id="340" name="Shape 340"/>
+        <p:cNvPr id="341" name="Shape 341"/>
         <p:cNvGrpSpPr/>
         <p:nvPr/>
       </p:nvGrpSpPr>
@@ -22679,7 +22773,7 @@
       </p:grpSpPr>
       <p:sp>
         <p:nvSpPr>
-          <p:cNvPr id="341" name="Google Shape;341;p44"/>
+          <p:cNvPr id="342" name="Google Shape;342;p44"/>
           <p:cNvSpPr txBox="1"/>
           <p:nvPr>
             <p:ph type="title"/>
@@ -22687,8 +22781,8 @@
         </p:nvSpPr>
         <p:spPr>
           <a:xfrm>
-            <a:off x="628650" y="273873"/>
-            <a:ext cx="8111400" cy="4628400"/>
+            <a:off x="628650" y="273844"/>
+            <a:ext cx="7886700" cy="994200"/>
           </a:xfrm>
           <a:prstGeom prst="rect">
             <a:avLst/>
@@ -22700,7 +22794,7 @@
           </a:bodyPr>
           <a:lstStyle/>
           <a:p>
-            <a:pPr indent="0" lvl="0" marL="457200" rtl="0" algn="just">
+            <a:pPr indent="0" lvl="0" marL="0" rtl="0" algn="l">
               <a:spcBef>
                 <a:spcPts val="0"/>
               </a:spcBef>
@@ -22711,16 +22805,259 @@
             </a:pPr>
             <a:r>
               <a:rPr lang="en"/>
-              <a:t>                       </a:t>
+              <a:t>ROUTES</a:t>
             </a:r>
-            <a:r>
-              <a:rPr lang="en" sz="5500"/>
-              <a:t> DEMO</a:t>
-            </a:r>
-            <a:endParaRPr sz="5500"/>
+            <a:endParaRPr/>
           </a:p>
         </p:txBody>
       </p:sp>
+      <p:sp>
+        <p:nvSpPr>
+          <p:cNvPr id="343" name="Google Shape;343;p44"/>
+          <p:cNvSpPr txBox="1"/>
+          <p:nvPr>
+            <p:ph idx="1" type="body"/>
+          </p:nvPr>
+        </p:nvSpPr>
+        <p:spPr>
+          <a:xfrm>
+            <a:off x="628650" y="1369219"/>
+            <a:ext cx="3886200" cy="3263400"/>
+          </a:xfrm>
+          <a:prstGeom prst="rect">
+            <a:avLst/>
+          </a:prstGeom>
+        </p:spPr>
+        <p:txBody>
+          <a:bodyPr anchorCtr="0" anchor="t" bIns="28575" lIns="57150" spcFirstLastPara="1" rIns="57150" wrap="square" tIns="28575">
+            <a:noAutofit/>
+          </a:bodyPr>
+          <a:lstStyle/>
+          <a:p>
+            <a:pPr indent="-336550" lvl="0" marL="457200" rtl="0" algn="l">
+              <a:spcBef>
+                <a:spcPts val="800"/>
+              </a:spcBef>
+              <a:spcAft>
+                <a:spcPts val="0"/>
+              </a:spcAft>
+              <a:buSzPts val="1700"/>
+              <a:buChar char="•"/>
+            </a:pPr>
+            <a:r>
+              <a:rPr lang="en" sz="1700"/>
+              <a:t>Routes were redirected to the landing page</a:t>
+            </a:r>
+            <a:endParaRPr sz="1700"/>
+          </a:p>
+          <a:p>
+            <a:pPr indent="0" lvl="0" marL="0" rtl="0" algn="l">
+              <a:spcBef>
+                <a:spcPts val="800"/>
+              </a:spcBef>
+              <a:spcAft>
+                <a:spcPts val="0"/>
+              </a:spcAft>
+              <a:buNone/>
+            </a:pPr>
+            <a:r>
+              <a:t/>
+            </a:r>
+            <a:endParaRPr sz="1700"/>
+          </a:p>
+          <a:p>
+            <a:pPr indent="-336550" lvl="0" marL="457200" rtl="0" algn="l">
+              <a:spcBef>
+                <a:spcPts val="800"/>
+              </a:spcBef>
+              <a:spcAft>
+                <a:spcPts val="0"/>
+              </a:spcAft>
+              <a:buSzPts val="1700"/>
+              <a:buChar char="•"/>
+            </a:pPr>
+            <a:r>
+              <a:rPr lang="en" sz="1700"/>
+              <a:t>Use of Devise to create authenticated and un</a:t>
+            </a:r>
+            <a:r>
+              <a:rPr lang="en" sz="1700"/>
+              <a:t>authenticated root</a:t>
+            </a:r>
+            <a:endParaRPr sz="1700"/>
+          </a:p>
+          <a:p>
+            <a:pPr indent="0" lvl="0" marL="457200" rtl="0" algn="l">
+              <a:spcBef>
+                <a:spcPts val="800"/>
+              </a:spcBef>
+              <a:spcAft>
+                <a:spcPts val="0"/>
+              </a:spcAft>
+              <a:buNone/>
+            </a:pPr>
+            <a:r>
+              <a:t/>
+            </a:r>
+            <a:endParaRPr sz="1700"/>
+          </a:p>
+          <a:p>
+            <a:pPr indent="-336550" lvl="0" marL="457200" rtl="0" algn="l">
+              <a:spcBef>
+                <a:spcPts val="800"/>
+              </a:spcBef>
+              <a:spcAft>
+                <a:spcPts val="0"/>
+              </a:spcAft>
+              <a:buSzPts val="1700"/>
+              <a:buChar char="•"/>
+            </a:pPr>
+            <a:r>
+              <a:rPr lang="en" sz="1700"/>
+              <a:t>Additional routes were created to handle different pages</a:t>
+            </a:r>
+            <a:endParaRPr sz="1700"/>
+          </a:p>
+          <a:p>
+            <a:pPr indent="0" lvl="0" marL="457200" rtl="0" algn="l">
+              <a:spcBef>
+                <a:spcPts val="800"/>
+              </a:spcBef>
+              <a:spcAft>
+                <a:spcPts val="0"/>
+              </a:spcAft>
+              <a:buNone/>
+            </a:pPr>
+            <a:r>
+              <a:t/>
+            </a:r>
+            <a:endParaRPr sz="1700"/>
+          </a:p>
+        </p:txBody>
+      </p:sp>
+      <p:sp>
+        <p:nvSpPr>
+          <p:cNvPr id="344" name="Google Shape;344;p44"/>
+          <p:cNvSpPr txBox="1"/>
+          <p:nvPr>
+            <p:ph idx="2" type="body"/>
+          </p:nvPr>
+        </p:nvSpPr>
+        <p:spPr>
+          <a:xfrm>
+            <a:off x="4629150" y="1369219"/>
+            <a:ext cx="3886200" cy="3263400"/>
+          </a:xfrm>
+          <a:prstGeom prst="rect">
+            <a:avLst/>
+          </a:prstGeom>
+        </p:spPr>
+        <p:txBody>
+          <a:bodyPr anchorCtr="0" anchor="t" bIns="28575" lIns="57150" spcFirstLastPara="1" rIns="57150" wrap="square" tIns="28575">
+            <a:noAutofit/>
+          </a:bodyPr>
+          <a:lstStyle/>
+          <a:p>
+            <a:pPr indent="0" lvl="0" marL="0" rtl="0" algn="l">
+              <a:spcBef>
+                <a:spcPts val="800"/>
+              </a:spcBef>
+              <a:spcAft>
+                <a:spcPts val="0"/>
+              </a:spcAft>
+              <a:buNone/>
+            </a:pPr>
+            <a:r>
+              <a:t/>
+            </a:r>
+            <a:endParaRPr/>
+          </a:p>
+        </p:txBody>
+      </p:sp>
+      <p:pic>
+        <p:nvPicPr>
+          <p:cNvPr id="345" name="Google Shape;345;p44"/>
+          <p:cNvPicPr preferRelativeResize="0"/>
+          <p:nvPr/>
+        </p:nvPicPr>
+        <p:blipFill>
+          <a:blip r:embed="rId3">
+            <a:alphaModFix/>
+          </a:blip>
+          <a:stretch>
+            <a:fillRect/>
+          </a:stretch>
+        </p:blipFill>
+        <p:spPr>
+          <a:xfrm>
+            <a:off x="4572000" y="1369225"/>
+            <a:ext cx="3943350" cy="1362075"/>
+          </a:xfrm>
+          <a:prstGeom prst="rect">
+            <a:avLst/>
+          </a:prstGeom>
+          <a:noFill/>
+          <a:ln>
+            <a:noFill/>
+          </a:ln>
+        </p:spPr>
+      </p:pic>
+      <p:pic>
+        <p:nvPicPr>
+          <p:cNvPr id="346" name="Google Shape;346;p44"/>
+          <p:cNvPicPr preferRelativeResize="0"/>
+          <p:nvPr/>
+        </p:nvPicPr>
+        <p:blipFill>
+          <a:blip r:embed="rId4">
+            <a:alphaModFix/>
+          </a:blip>
+          <a:stretch>
+            <a:fillRect/>
+          </a:stretch>
+        </p:blipFill>
+        <p:spPr>
+          <a:xfrm>
+            <a:off x="4629150" y="2832475"/>
+            <a:ext cx="3829501" cy="2044400"/>
+          </a:xfrm>
+          <a:prstGeom prst="rect">
+            <a:avLst/>
+          </a:prstGeom>
+          <a:noFill/>
+          <a:ln>
+            <a:noFill/>
+          </a:ln>
+        </p:spPr>
+      </p:pic>
+      <p:pic>
+        <p:nvPicPr>
+          <p:cNvPr id="347" name="Google Shape;347;p44"/>
+          <p:cNvPicPr preferRelativeResize="0"/>
+          <p:nvPr/>
+        </p:nvPicPr>
+        <p:blipFill>
+          <a:blip r:embed="rId5">
+            <a:alphaModFix/>
+          </a:blip>
+          <a:stretch>
+            <a:fillRect/>
+          </a:stretch>
+        </p:blipFill>
+        <p:spPr>
+          <a:xfrm>
+            <a:off x="7925022" y="216972"/>
+            <a:ext cx="981351" cy="934025"/>
+          </a:xfrm>
+          <a:prstGeom prst="rect">
+            <a:avLst/>
+          </a:prstGeom>
+          <a:noFill/>
+          <a:ln>
+            <a:noFill/>
+          </a:ln>
+        </p:spPr>
+      </p:pic>
     </p:spTree>
   </p:cSld>
   <p:clrMapOvr>
@@ -23639,6 +23976,131 @@
 </p:sld>
 </file>
 
+<file path=ppt/slides/slide20.xml><?xml version="1.0" encoding="utf-8"?>
+<p:sld xmlns:a="http://schemas.openxmlformats.org/drawingml/2006/main" xmlns:r="http://schemas.openxmlformats.org/officeDocument/2006/relationships" xmlns:mc="http://schemas.openxmlformats.org/markup-compatibility/2006" xmlns:mv="urn:schemas-microsoft-com:mac:vml" xmlns:p="http://schemas.openxmlformats.org/presentationml/2006/main" xmlns:c="http://schemas.openxmlformats.org/drawingml/2006/chart" xmlns:dgm="http://schemas.openxmlformats.org/drawingml/2006/diagram" xmlns:o="urn:schemas-microsoft-com:office:office" xmlns:v="urn:schemas-microsoft-com:vml" xmlns:pvml="urn:schemas-microsoft-com:office:powerpoint" xmlns:com="http://schemas.openxmlformats.org/drawingml/2006/compatibility" xmlns:p14="http://schemas.microsoft.com/office/powerpoint/2010/main" xmlns:p15="http://schemas.microsoft.com/office/powerpoint/2012/main" xmlns:ahyp="http://schemas.microsoft.com/office/drawing/2018/hyperlinkcolor">
+  <p:cSld>
+    <p:spTree>
+      <p:nvGrpSpPr>
+        <p:cNvPr id="351" name="Shape 351"/>
+        <p:cNvGrpSpPr/>
+        <p:nvPr/>
+      </p:nvGrpSpPr>
+      <p:grpSpPr>
+        <a:xfrm>
+          <a:off x="0" y="0"/>
+          <a:ext cx="0" cy="0"/>
+          <a:chOff x="0" y="0"/>
+          <a:chExt cx="0" cy="0"/>
+        </a:xfrm>
+      </p:grpSpPr>
+      <p:sp>
+        <p:nvSpPr>
+          <p:cNvPr id="352" name="Google Shape;352;p45"/>
+          <p:cNvSpPr txBox="1"/>
+          <p:nvPr>
+            <p:ph type="title"/>
+          </p:nvPr>
+        </p:nvSpPr>
+        <p:spPr>
+          <a:xfrm>
+            <a:off x="628650" y="273873"/>
+            <a:ext cx="8111400" cy="4628400"/>
+          </a:xfrm>
+          <a:prstGeom prst="rect">
+            <a:avLst/>
+          </a:prstGeom>
+        </p:spPr>
+        <p:txBody>
+          <a:bodyPr anchorCtr="0" anchor="ctr" bIns="28575" lIns="57150" spcFirstLastPara="1" rIns="57150" wrap="square" tIns="28575">
+            <a:noAutofit/>
+          </a:bodyPr>
+          <a:lstStyle/>
+          <a:p>
+            <a:pPr indent="0" lvl="0" marL="457200" rtl="0" algn="just">
+              <a:spcBef>
+                <a:spcPts val="0"/>
+              </a:spcBef>
+              <a:spcAft>
+                <a:spcPts val="0"/>
+              </a:spcAft>
+              <a:buNone/>
+            </a:pPr>
+            <a:r>
+              <a:rPr lang="en"/>
+              <a:t>                       </a:t>
+            </a:r>
+            <a:r>
+              <a:rPr lang="en" sz="5500"/>
+              <a:t> DEMO</a:t>
+            </a:r>
+            <a:endParaRPr sz="5500"/>
+          </a:p>
+        </p:txBody>
+      </p:sp>
+      <p:pic>
+        <p:nvPicPr>
+          <p:cNvPr id="353" name="Google Shape;353;p45"/>
+          <p:cNvPicPr preferRelativeResize="0"/>
+          <p:nvPr/>
+        </p:nvPicPr>
+        <p:blipFill>
+          <a:blip r:embed="rId3">
+            <a:alphaModFix/>
+          </a:blip>
+          <a:stretch>
+            <a:fillRect/>
+          </a:stretch>
+        </p:blipFill>
+        <p:spPr>
+          <a:xfrm>
+            <a:off x="6212113" y="53275"/>
+            <a:ext cx="1819275" cy="1524000"/>
+          </a:xfrm>
+          <a:prstGeom prst="rect">
+            <a:avLst/>
+          </a:prstGeom>
+          <a:noFill/>
+          <a:ln>
+            <a:noFill/>
+          </a:ln>
+        </p:spPr>
+      </p:pic>
+      <p:pic>
+        <p:nvPicPr>
+          <p:cNvPr id="354" name="Google Shape;354;p45"/>
+          <p:cNvPicPr preferRelativeResize="0"/>
+          <p:nvPr/>
+        </p:nvPicPr>
+        <p:blipFill>
+          <a:blip r:embed="rId4">
+            <a:alphaModFix/>
+          </a:blip>
+          <a:stretch>
+            <a:fillRect/>
+          </a:stretch>
+        </p:blipFill>
+        <p:spPr>
+          <a:xfrm rot="10800000">
+            <a:off x="628638" y="3559575"/>
+            <a:ext cx="1819275" cy="1524000"/>
+          </a:xfrm>
+          <a:prstGeom prst="rect">
+            <a:avLst/>
+          </a:prstGeom>
+          <a:noFill/>
+          <a:ln>
+            <a:noFill/>
+          </a:ln>
+        </p:spPr>
+      </p:pic>
+    </p:spTree>
+  </p:cSld>
+  <p:clrMapOvr>
+    <a:masterClrMapping/>
+  </p:clrMapOvr>
+</p:sld>
+</file>
+
 <file path=ppt/slides/slide3.xml><?xml version="1.0" encoding="utf-8"?>
 <p:sld xmlns:a="http://schemas.openxmlformats.org/drawingml/2006/main" xmlns:r="http://schemas.openxmlformats.org/officeDocument/2006/relationships" xmlns:mc="http://schemas.openxmlformats.org/markup-compatibility/2006" xmlns:mv="urn:schemas-microsoft-com:mac:vml" xmlns:p="http://schemas.openxmlformats.org/presentationml/2006/main" xmlns:c="http://schemas.openxmlformats.org/drawingml/2006/chart" xmlns:dgm="http://schemas.openxmlformats.org/drawingml/2006/diagram" xmlns:o="urn:schemas-microsoft-com:office:office" xmlns:v="urn:schemas-microsoft-com:vml" xmlns:pvml="urn:schemas-microsoft-com:office:powerpoint" xmlns:com="http://schemas.openxmlformats.org/drawingml/2006/compatibility" xmlns:p14="http://schemas.microsoft.com/office/powerpoint/2010/main" xmlns:p15="http://schemas.microsoft.com/office/powerpoint/2012/main" xmlns:ahyp="http://schemas.microsoft.com/office/drawing/2018/hyperlinkcolor">
   <p:cSld>
@@ -24178,17 +24640,16 @@
           <p:cNvPicPr preferRelativeResize="0"/>
           <p:nvPr/>
         </p:nvPicPr>
-        <p:blipFill>
+        <p:blipFill rotWithShape="1">
           <a:blip r:embed="rId3">
             <a:alphaModFix/>
           </a:blip>
-          <a:stretch>
-            <a:fillRect/>
-          </a:stretch>
+          <a:srcRect b="0" l="-890" r="890" t="0"/>
+          <a:stretch/>
         </p:blipFill>
         <p:spPr>
           <a:xfrm>
-            <a:off x="298925" y="272925"/>
+            <a:off x="661019" y="153775"/>
             <a:ext cx="8546160" cy="4597650"/>
           </a:xfrm>
           <a:prstGeom prst="rect">
@@ -25366,285 +25827,6 @@
 </file>
 
 <file path=ppt/theme/theme1.xml><?xml version="1.0" encoding="utf-8"?>
-<a:theme xmlns:a="http://schemas.openxmlformats.org/drawingml/2006/main" xmlns:r="http://schemas.openxmlformats.org/officeDocument/2006/relationships" name="Office Theme">
-  <a:themeElements>
-    <a:clrScheme name="Office">
-      <a:dk1>
-        <a:srgbClr val="000000"/>
-      </a:dk1>
-      <a:lt1>
-        <a:srgbClr val="FFFFFF"/>
-      </a:lt1>
-      <a:dk2>
-        <a:srgbClr val="44546A"/>
-      </a:dk2>
-      <a:lt2>
-        <a:srgbClr val="E7E6E6"/>
-      </a:lt2>
-      <a:accent1>
-        <a:srgbClr val="4472C4"/>
-      </a:accent1>
-      <a:accent2>
-        <a:srgbClr val="ED7D31"/>
-      </a:accent2>
-      <a:accent3>
-        <a:srgbClr val="A5A5A5"/>
-      </a:accent3>
-      <a:accent4>
-        <a:srgbClr val="FFC000"/>
-      </a:accent4>
-      <a:accent5>
-        <a:srgbClr val="5B9BD5"/>
-      </a:accent5>
-      <a:accent6>
-        <a:srgbClr val="70AD47"/>
-      </a:accent6>
-      <a:hlink>
-        <a:srgbClr val="0563C1"/>
-      </a:hlink>
-      <a:folHlink>
-        <a:srgbClr val="954F72"/>
-      </a:folHlink>
-    </a:clrScheme>
-    <a:fontScheme name="Office">
-      <a:majorFont>
-        <a:latin typeface="Arial"/>
-        <a:ea typeface=""/>
-        <a:cs typeface=""/>
-        <a:font script="Jpan" typeface="ＭＳ Ｐゴシック"/>
-        <a:font script="Hang" typeface="맑은 고딕"/>
-        <a:font script="Hans" typeface="宋体"/>
-        <a:font script="Hant" typeface="新細明體"/>
-        <a:font script="Arab" typeface="Times New Roman"/>
-        <a:font script="Hebr" typeface="Times New Roman"/>
-        <a:font script="Thai" typeface="Angsana New"/>
-        <a:font script="Ethi" typeface="Nyala"/>
-        <a:font script="Beng" typeface="Vrinda"/>
-        <a:font script="Gujr" typeface="Shruti"/>
-        <a:font script="Khmr" typeface="MoolBoran"/>
-        <a:font script="Knda" typeface="Tunga"/>
-        <a:font script="Guru" typeface="Raavi"/>
-        <a:font script="Cans" typeface="Euphemia"/>
-        <a:font script="Cher" typeface="Plantagenet Cherokee"/>
-        <a:font script="Yiii" typeface="Microsoft Yi Baiti"/>
-        <a:font script="Tibt" typeface="Microsoft Himalaya"/>
-        <a:font script="Thaa" typeface="MV Boli"/>
-        <a:font script="Deva" typeface="Mangal"/>
-        <a:font script="Telu" typeface="Gautami"/>
-        <a:font script="Taml" typeface="Latha"/>
-        <a:font script="Syrc" typeface="Estrangelo Edessa"/>
-        <a:font script="Orya" typeface="Kalinga"/>
-        <a:font script="Mlym" typeface="Kartika"/>
-        <a:font script="Laoo" typeface="DokChampa"/>
-        <a:font script="Sinh" typeface="Iskoola Pota"/>
-        <a:font script="Mong" typeface="Mongolian Baiti"/>
-        <a:font script="Viet" typeface="Times New Roman"/>
-        <a:font script="Uigh" typeface="Microsoft Uighur"/>
-        <a:font script="Geor" typeface="Sylfaen"/>
-      </a:majorFont>
-      <a:minorFont>
-        <a:latin typeface="Arial"/>
-        <a:ea typeface=""/>
-        <a:cs typeface=""/>
-        <a:font script="Jpan" typeface="ＭＳ Ｐゴシック"/>
-        <a:font script="Hang" typeface="맑은 고딕"/>
-        <a:font script="Hans" typeface="宋体"/>
-        <a:font script="Hant" typeface="新細明體"/>
-        <a:font script="Arab" typeface="Arial"/>
-        <a:font script="Hebr" typeface="Arial"/>
-        <a:font script="Thai" typeface="Cordia New"/>
-        <a:font script="Ethi" typeface="Nyala"/>
-        <a:font script="Beng" typeface="Vrinda"/>
-        <a:font script="Gujr" typeface="Shruti"/>
-        <a:font script="Khmr" typeface="DaunPenh"/>
-        <a:font script="Knda" typeface="Tunga"/>
-        <a:font script="Guru" typeface="Raavi"/>
-        <a:font script="Cans" typeface="Euphemia"/>
-        <a:font script="Cher" typeface="Plantagenet Cherokee"/>
-        <a:font script="Yiii" typeface="Microsoft Yi Baiti"/>
-        <a:font script="Tibt" typeface="Microsoft Himalaya"/>
-        <a:font script="Thaa" typeface="MV Boli"/>
-        <a:font script="Deva" typeface="Mangal"/>
-        <a:font script="Telu" typeface="Gautami"/>
-        <a:font script="Taml" typeface="Latha"/>
-        <a:font script="Syrc" typeface="Estrangelo Edessa"/>
-        <a:font script="Orya" typeface="Kalinga"/>
-        <a:font script="Mlym" typeface="Kartika"/>
-        <a:font script="Laoo" typeface="DokChampa"/>
-        <a:font script="Sinh" typeface="Iskoola Pota"/>
-        <a:font script="Mong" typeface="Mongolian Baiti"/>
-        <a:font script="Viet" typeface="Arial"/>
-        <a:font script="Uigh" typeface="Microsoft Uighur"/>
-        <a:font script="Geor" typeface="Sylfaen"/>
-      </a:minorFont>
-    </a:fontScheme>
-    <a:fmtScheme name="Office">
-      <a:fillStyleLst>
-        <a:solidFill>
-          <a:schemeClr val="phClr"/>
-        </a:solidFill>
-        <a:gradFill rotWithShape="1">
-          <a:gsLst>
-            <a:gs pos="0">
-              <a:schemeClr val="phClr">
-                <a:tint val="50000"/>
-                <a:satMod val="300000"/>
-              </a:schemeClr>
-            </a:gs>
-            <a:gs pos="35000">
-              <a:schemeClr val="phClr">
-                <a:tint val="37000"/>
-                <a:satMod val="300000"/>
-              </a:schemeClr>
-            </a:gs>
-            <a:gs pos="100000">
-              <a:schemeClr val="phClr">
-                <a:tint val="15000"/>
-                <a:satMod val="350000"/>
-              </a:schemeClr>
-            </a:gs>
-          </a:gsLst>
-          <a:lin ang="16200000" scaled="1"/>
-        </a:gradFill>
-        <a:gradFill rotWithShape="1">
-          <a:gsLst>
-            <a:gs pos="0">
-              <a:schemeClr val="phClr">
-                <a:tint val="100000"/>
-                <a:shade val="100000"/>
-                <a:satMod val="130000"/>
-              </a:schemeClr>
-            </a:gs>
-            <a:gs pos="100000">
-              <a:schemeClr val="phClr">
-                <a:tint val="50000"/>
-                <a:shade val="100000"/>
-                <a:satMod val="350000"/>
-              </a:schemeClr>
-            </a:gs>
-          </a:gsLst>
-          <a:lin ang="16200000" scaled="0"/>
-        </a:gradFill>
-      </a:fillStyleLst>
-      <a:lnStyleLst>
-        <a:ln w="9525" cap="flat" cmpd="sng" algn="ctr">
-          <a:solidFill>
-            <a:schemeClr val="phClr">
-              <a:shade val="95000"/>
-              <a:satMod val="105000"/>
-            </a:schemeClr>
-          </a:solidFill>
-          <a:prstDash val="solid"/>
-        </a:ln>
-        <a:ln w="25400" cap="flat" cmpd="sng" algn="ctr">
-          <a:solidFill>
-            <a:schemeClr val="phClr"/>
-          </a:solidFill>
-          <a:prstDash val="solid"/>
-        </a:ln>
-        <a:ln w="38100" cap="flat" cmpd="sng" algn="ctr">
-          <a:solidFill>
-            <a:schemeClr val="phClr"/>
-          </a:solidFill>
-          <a:prstDash val="solid"/>
-        </a:ln>
-      </a:lnStyleLst>
-      <a:effectStyleLst>
-        <a:effectStyle>
-          <a:effectLst>
-            <a:outerShdw blurRad="40000" dist="20000" dir="5400000" rotWithShape="0">
-              <a:srgbClr val="000000">
-                <a:alpha val="38000"/>
-              </a:srgbClr>
-            </a:outerShdw>
-          </a:effectLst>
-        </a:effectStyle>
-        <a:effectStyle>
-          <a:effectLst>
-            <a:outerShdw blurRad="40000" dist="23000" dir="5400000" rotWithShape="0">
-              <a:srgbClr val="000000">
-                <a:alpha val="35000"/>
-              </a:srgbClr>
-            </a:outerShdw>
-          </a:effectLst>
-        </a:effectStyle>
-        <a:effectStyle>
-          <a:effectLst>
-            <a:outerShdw blurRad="40000" dist="23000" dir="5400000" rotWithShape="0">
-              <a:srgbClr val="000000">
-                <a:alpha val="35000"/>
-              </a:srgbClr>
-            </a:outerShdw>
-          </a:effectLst>
-          <a:scene3d>
-            <a:camera prst="orthographicFront">
-              <a:rot lat="0" lon="0" rev="0"/>
-            </a:camera>
-            <a:lightRig rig="threePt" dir="t">
-              <a:rot lat="0" lon="0" rev="1200000"/>
-            </a:lightRig>
-          </a:scene3d>
-          <a:sp3d>
-            <a:bevelT w="63500" h="25400"/>
-          </a:sp3d>
-        </a:effectStyle>
-      </a:effectStyleLst>
-      <a:bgFillStyleLst>
-        <a:solidFill>
-          <a:schemeClr val="phClr"/>
-        </a:solidFill>
-        <a:gradFill rotWithShape="1">
-          <a:gsLst>
-            <a:gs pos="0">
-              <a:schemeClr val="phClr">
-                <a:tint val="40000"/>
-                <a:satMod val="350000"/>
-              </a:schemeClr>
-            </a:gs>
-            <a:gs pos="40000">
-              <a:schemeClr val="phClr">
-                <a:tint val="45000"/>
-                <a:shade val="99000"/>
-                <a:satMod val="350000"/>
-              </a:schemeClr>
-            </a:gs>
-            <a:gs pos="100000">
-              <a:schemeClr val="phClr">
-                <a:shade val="20000"/>
-                <a:satMod val="255000"/>
-              </a:schemeClr>
-            </a:gs>
-          </a:gsLst>
-          <a:path path="circle">
-            <a:fillToRect l="50000" t="-80000" r="50000" b="180000"/>
-          </a:path>
-        </a:gradFill>
-        <a:gradFill rotWithShape="1">
-          <a:gsLst>
-            <a:gs pos="0">
-              <a:schemeClr val="phClr">
-                <a:tint val="80000"/>
-                <a:satMod val="300000"/>
-              </a:schemeClr>
-            </a:gs>
-            <a:gs pos="100000">
-              <a:schemeClr val="phClr">
-                <a:shade val="30000"/>
-                <a:satMod val="200000"/>
-              </a:schemeClr>
-            </a:gs>
-          </a:gsLst>
-          <a:path path="circle">
-            <a:fillToRect l="50000" t="50000" r="50000" b="50000"/>
-          </a:path>
-        </a:gradFill>
-      </a:bgFillStyleLst>
-    </a:fmtScheme>
-  </a:themeElements>
-</a:theme>
-</file>
-
-<file path=ppt/theme/theme2.xml><?xml version="1.0" encoding="utf-8"?>
 <a:theme xmlns:a="http://schemas.openxmlformats.org/drawingml/2006/main" xmlns:r="http://schemas.openxmlformats.org/officeDocument/2006/relationships">
   <a:themeElements>
     <a:clrScheme name="Default">
@@ -25923,7 +26105,7 @@
 </a:theme>
 </file>
 
-<file path=ppt/theme/theme3.xml><?xml version="1.0" encoding="utf-8"?>
+<file path=ppt/theme/theme2.xml><?xml version="1.0" encoding="utf-8"?>
 <a:theme xmlns:a="http://schemas.openxmlformats.org/drawingml/2006/main" xmlns:r="http://schemas.openxmlformats.org/officeDocument/2006/relationships" name="Simple Light">
   <a:themeElements>
     <a:clrScheme name="Simple Light">
@@ -26200,4 +26382,283 @@
     </a:fmtScheme>
   </a:themeElements>
 </a:theme>
+</file>
+
+<file path=ppt/theme/theme3.xml><?xml version="1.0" encoding="utf-8"?>
+<a:theme xmlns:a="http://schemas.openxmlformats.org/drawingml/2006/main" xmlns:r="http://schemas.openxmlformats.org/officeDocument/2006/relationships" name="Office Theme">
+  <a:themeElements>
+    <a:clrScheme name="Office">
+      <a:dk1>
+        <a:srgbClr val="000000"/>
+      </a:dk1>
+      <a:lt1>
+        <a:srgbClr val="FFFFFF"/>
+      </a:lt1>
+      <a:dk2>
+        <a:srgbClr val="44546A"/>
+      </a:dk2>
+      <a:lt2>
+        <a:srgbClr val="E7E6E6"/>
+      </a:lt2>
+      <a:accent1>
+        <a:srgbClr val="4472C4"/>
+      </a:accent1>
+      <a:accent2>
+        <a:srgbClr val="ED7D31"/>
+      </a:accent2>
+      <a:accent3>
+        <a:srgbClr val="A5A5A5"/>
+      </a:accent3>
+      <a:accent4>
+        <a:srgbClr val="FFC000"/>
+      </a:accent4>
+      <a:accent5>
+        <a:srgbClr val="5B9BD5"/>
+      </a:accent5>
+      <a:accent6>
+        <a:srgbClr val="70AD47"/>
+      </a:accent6>
+      <a:hlink>
+        <a:srgbClr val="0563C1"/>
+      </a:hlink>
+      <a:folHlink>
+        <a:srgbClr val="954F72"/>
+      </a:folHlink>
+    </a:clrScheme>
+    <a:fontScheme name="Office">
+      <a:majorFont>
+        <a:latin typeface="Arial"/>
+        <a:ea typeface=""/>
+        <a:cs typeface=""/>
+        <a:font script="Jpan" typeface="ＭＳ Ｐゴシック"/>
+        <a:font script="Hang" typeface="맑은 고딕"/>
+        <a:font script="Hans" typeface="宋体"/>
+        <a:font script="Hant" typeface="新細明體"/>
+        <a:font script="Arab" typeface="Times New Roman"/>
+        <a:font script="Hebr" typeface="Times New Roman"/>
+        <a:font script="Thai" typeface="Angsana New"/>
+        <a:font script="Ethi" typeface="Nyala"/>
+        <a:font script="Beng" typeface="Vrinda"/>
+        <a:font script="Gujr" typeface="Shruti"/>
+        <a:font script="Khmr" typeface="MoolBoran"/>
+        <a:font script="Knda" typeface="Tunga"/>
+        <a:font script="Guru" typeface="Raavi"/>
+        <a:font script="Cans" typeface="Euphemia"/>
+        <a:font script="Cher" typeface="Plantagenet Cherokee"/>
+        <a:font script="Yiii" typeface="Microsoft Yi Baiti"/>
+        <a:font script="Tibt" typeface="Microsoft Himalaya"/>
+        <a:font script="Thaa" typeface="MV Boli"/>
+        <a:font script="Deva" typeface="Mangal"/>
+        <a:font script="Telu" typeface="Gautami"/>
+        <a:font script="Taml" typeface="Latha"/>
+        <a:font script="Syrc" typeface="Estrangelo Edessa"/>
+        <a:font script="Orya" typeface="Kalinga"/>
+        <a:font script="Mlym" typeface="Kartika"/>
+        <a:font script="Laoo" typeface="DokChampa"/>
+        <a:font script="Sinh" typeface="Iskoola Pota"/>
+        <a:font script="Mong" typeface="Mongolian Baiti"/>
+        <a:font script="Viet" typeface="Times New Roman"/>
+        <a:font script="Uigh" typeface="Microsoft Uighur"/>
+        <a:font script="Geor" typeface="Sylfaen"/>
+      </a:majorFont>
+      <a:minorFont>
+        <a:latin typeface="Arial"/>
+        <a:ea typeface=""/>
+        <a:cs typeface=""/>
+        <a:font script="Jpan" typeface="ＭＳ Ｐゴシック"/>
+        <a:font script="Hang" typeface="맑은 고딕"/>
+        <a:font script="Hans" typeface="宋体"/>
+        <a:font script="Hant" typeface="新細明體"/>
+        <a:font script="Arab" typeface="Arial"/>
+        <a:font script="Hebr" typeface="Arial"/>
+        <a:font script="Thai" typeface="Cordia New"/>
+        <a:font script="Ethi" typeface="Nyala"/>
+        <a:font script="Beng" typeface="Vrinda"/>
+        <a:font script="Gujr" typeface="Shruti"/>
+        <a:font script="Khmr" typeface="DaunPenh"/>
+        <a:font script="Knda" typeface="Tunga"/>
+        <a:font script="Guru" typeface="Raavi"/>
+        <a:font script="Cans" typeface="Euphemia"/>
+        <a:font script="Cher" typeface="Plantagenet Cherokee"/>
+        <a:font script="Yiii" typeface="Microsoft Yi Baiti"/>
+        <a:font script="Tibt" typeface="Microsoft Himalaya"/>
+        <a:font script="Thaa" typeface="MV Boli"/>
+        <a:font script="Deva" typeface="Mangal"/>
+        <a:font script="Telu" typeface="Gautami"/>
+        <a:font script="Taml" typeface="Latha"/>
+        <a:font script="Syrc" typeface="Estrangelo Edessa"/>
+        <a:font script="Orya" typeface="Kalinga"/>
+        <a:font script="Mlym" typeface="Kartika"/>
+        <a:font script="Laoo" typeface="DokChampa"/>
+        <a:font script="Sinh" typeface="Iskoola Pota"/>
+        <a:font script="Mong" typeface="Mongolian Baiti"/>
+        <a:font script="Viet" typeface="Arial"/>
+        <a:font script="Uigh" typeface="Microsoft Uighur"/>
+        <a:font script="Geor" typeface="Sylfaen"/>
+      </a:minorFont>
+    </a:fontScheme>
+    <a:fmtScheme name="Office">
+      <a:fillStyleLst>
+        <a:solidFill>
+          <a:schemeClr val="phClr"/>
+        </a:solidFill>
+        <a:gradFill rotWithShape="1">
+          <a:gsLst>
+            <a:gs pos="0">
+              <a:schemeClr val="phClr">
+                <a:tint val="50000"/>
+                <a:satMod val="300000"/>
+              </a:schemeClr>
+            </a:gs>
+            <a:gs pos="35000">
+              <a:schemeClr val="phClr">
+                <a:tint val="37000"/>
+                <a:satMod val="300000"/>
+              </a:schemeClr>
+            </a:gs>
+            <a:gs pos="100000">
+              <a:schemeClr val="phClr">
+                <a:tint val="15000"/>
+                <a:satMod val="350000"/>
+              </a:schemeClr>
+            </a:gs>
+          </a:gsLst>
+          <a:lin ang="16200000" scaled="1"/>
+        </a:gradFill>
+        <a:gradFill rotWithShape="1">
+          <a:gsLst>
+            <a:gs pos="0">
+              <a:schemeClr val="phClr">
+                <a:tint val="100000"/>
+                <a:shade val="100000"/>
+                <a:satMod val="130000"/>
+              </a:schemeClr>
+            </a:gs>
+            <a:gs pos="100000">
+              <a:schemeClr val="phClr">
+                <a:tint val="50000"/>
+                <a:shade val="100000"/>
+                <a:satMod val="350000"/>
+              </a:schemeClr>
+            </a:gs>
+          </a:gsLst>
+          <a:lin ang="16200000" scaled="0"/>
+        </a:gradFill>
+      </a:fillStyleLst>
+      <a:lnStyleLst>
+        <a:ln w="9525" cap="flat" cmpd="sng" algn="ctr">
+          <a:solidFill>
+            <a:schemeClr val="phClr">
+              <a:shade val="95000"/>
+              <a:satMod val="105000"/>
+            </a:schemeClr>
+          </a:solidFill>
+          <a:prstDash val="solid"/>
+        </a:ln>
+        <a:ln w="25400" cap="flat" cmpd="sng" algn="ctr">
+          <a:solidFill>
+            <a:schemeClr val="phClr"/>
+          </a:solidFill>
+          <a:prstDash val="solid"/>
+        </a:ln>
+        <a:ln w="38100" cap="flat" cmpd="sng" algn="ctr">
+          <a:solidFill>
+            <a:schemeClr val="phClr"/>
+          </a:solidFill>
+          <a:prstDash val="solid"/>
+        </a:ln>
+      </a:lnStyleLst>
+      <a:effectStyleLst>
+        <a:effectStyle>
+          <a:effectLst>
+            <a:outerShdw blurRad="40000" dist="20000" dir="5400000" rotWithShape="0">
+              <a:srgbClr val="000000">
+                <a:alpha val="38000"/>
+              </a:srgbClr>
+            </a:outerShdw>
+          </a:effectLst>
+        </a:effectStyle>
+        <a:effectStyle>
+          <a:effectLst>
+            <a:outerShdw blurRad="40000" dist="23000" dir="5400000" rotWithShape="0">
+              <a:srgbClr val="000000">
+                <a:alpha val="35000"/>
+              </a:srgbClr>
+            </a:outerShdw>
+          </a:effectLst>
+        </a:effectStyle>
+        <a:effectStyle>
+          <a:effectLst>
+            <a:outerShdw blurRad="40000" dist="23000" dir="5400000" rotWithShape="0">
+              <a:srgbClr val="000000">
+                <a:alpha val="35000"/>
+              </a:srgbClr>
+            </a:outerShdw>
+          </a:effectLst>
+          <a:scene3d>
+            <a:camera prst="orthographicFront">
+              <a:rot lat="0" lon="0" rev="0"/>
+            </a:camera>
+            <a:lightRig rig="threePt" dir="t">
+              <a:rot lat="0" lon="0" rev="1200000"/>
+            </a:lightRig>
+          </a:scene3d>
+          <a:sp3d>
+            <a:bevelT w="63500" h="25400"/>
+          </a:sp3d>
+        </a:effectStyle>
+      </a:effectStyleLst>
+      <a:bgFillStyleLst>
+        <a:solidFill>
+          <a:schemeClr val="phClr"/>
+        </a:solidFill>
+        <a:gradFill rotWithShape="1">
+          <a:gsLst>
+            <a:gs pos="0">
+              <a:schemeClr val="phClr">
+                <a:tint val="40000"/>
+                <a:satMod val="350000"/>
+              </a:schemeClr>
+            </a:gs>
+            <a:gs pos="40000">
+              <a:schemeClr val="phClr">
+                <a:tint val="45000"/>
+                <a:shade val="99000"/>
+                <a:satMod val="350000"/>
+              </a:schemeClr>
+            </a:gs>
+            <a:gs pos="100000">
+              <a:schemeClr val="phClr">
+                <a:shade val="20000"/>
+                <a:satMod val="255000"/>
+              </a:schemeClr>
+            </a:gs>
+          </a:gsLst>
+          <a:path path="circle">
+            <a:fillToRect l="50000" t="-80000" r="50000" b="180000"/>
+          </a:path>
+        </a:gradFill>
+        <a:gradFill rotWithShape="1">
+          <a:gsLst>
+            <a:gs pos="0">
+              <a:schemeClr val="phClr">
+                <a:tint val="80000"/>
+                <a:satMod val="300000"/>
+              </a:schemeClr>
+            </a:gs>
+            <a:gs pos="100000">
+              <a:schemeClr val="phClr">
+                <a:shade val="30000"/>
+                <a:satMod val="200000"/>
+              </a:schemeClr>
+            </a:gs>
+          </a:gsLst>
+          <a:path path="circle">
+            <a:fillToRect l="50000" t="50000" r="50000" b="50000"/>
+          </a:path>
+        </a:gradFill>
+      </a:bgFillStyleLst>
+    </a:fmtScheme>
+  </a:themeElements>
+</a:theme>
 </file>